--- a/ppt 16-9/0294.黑门的甘露.pptx
+++ b/ppt 16-9/0294.黑门的甘露.pptx
@@ -5,7 +5,7 @@
     <p:sldMasterId id="2147483648" r:id="rId1"/>
   </p:sldMasterIdLst>
   <p:sldIdLst>
-    <p:sldId id="3168" r:id="rId2"/>
+    <p:sldId id="3170" r:id="rId2"/>
   </p:sldIdLst>
   <p:sldSz cx="12192000" cy="6858000"/>
   <p:notesSz cx="6858000" cy="9144000"/>
@@ -129,7 +129,7 @@
           <p:cNvPr id="2" name="标题 1">
             <a:extLst>
               <a:ext uri="{FF2B5EF4-FFF2-40B4-BE49-F238E27FC236}">
-                <a16:creationId xmlns:a16="http://schemas.microsoft.com/office/drawing/2014/main" id="{57DF6521-C1B5-ED6E-E27D-6EB89B6D196F}"/>
+                <a16:creationId xmlns:a16="http://schemas.microsoft.com/office/drawing/2014/main" id="{2CE8BA59-7ADF-A2E5-BFEE-9BB65CBB8F5B}"/>
               </a:ext>
             </a:extLst>
           </p:cNvPr>
@@ -166,7 +166,7 @@
           <p:cNvPr id="3" name="副标题 2">
             <a:extLst>
               <a:ext uri="{FF2B5EF4-FFF2-40B4-BE49-F238E27FC236}">
-                <a16:creationId xmlns:a16="http://schemas.microsoft.com/office/drawing/2014/main" id="{D81214DA-FBC3-8ADA-C7E3-B335CF59F808}"/>
+                <a16:creationId xmlns:a16="http://schemas.microsoft.com/office/drawing/2014/main" id="{8069F63E-FC84-1AB5-82D4-A4294593BBBF}"/>
               </a:ext>
             </a:extLst>
           </p:cNvPr>
@@ -236,7 +236,7 @@
           <p:cNvPr id="4" name="日期占位符 3">
             <a:extLst>
               <a:ext uri="{FF2B5EF4-FFF2-40B4-BE49-F238E27FC236}">
-                <a16:creationId xmlns:a16="http://schemas.microsoft.com/office/drawing/2014/main" id="{7BCD663B-B1ED-903A-75EA-E7577152E6A8}"/>
+                <a16:creationId xmlns:a16="http://schemas.microsoft.com/office/drawing/2014/main" id="{8ACBFB05-A8C8-EC35-3D77-C740C404DE96}"/>
               </a:ext>
             </a:extLst>
           </p:cNvPr>
@@ -252,7 +252,7 @@
           <a:bodyPr/>
           <a:lstStyle/>
           <a:p>
-            <a:fld id="{4E407B83-3F6B-49D6-9646-C94CB0F5006D}" type="datetimeFigureOut">
+            <a:fld id="{D4513F00-2EA6-4877-8D6F-7D733DF0D7D3}" type="datetimeFigureOut">
               <a:rPr lang="zh-CN" altLang="en-US" smtClean="0"/>
               <a:t>2024/3/10</a:t>
             </a:fld>
@@ -265,7 +265,7 @@
           <p:cNvPr id="5" name="页脚占位符 4">
             <a:extLst>
               <a:ext uri="{FF2B5EF4-FFF2-40B4-BE49-F238E27FC236}">
-                <a16:creationId xmlns:a16="http://schemas.microsoft.com/office/drawing/2014/main" id="{E6B21DBC-C37D-7FDA-5569-E692ED8BE192}"/>
+                <a16:creationId xmlns:a16="http://schemas.microsoft.com/office/drawing/2014/main" id="{BC97BC57-FE5E-0C26-66DA-F1CF0AB81CC7}"/>
               </a:ext>
             </a:extLst>
           </p:cNvPr>
@@ -290,7 +290,7 @@
           <p:cNvPr id="6" name="灯片编号占位符 5">
             <a:extLst>
               <a:ext uri="{FF2B5EF4-FFF2-40B4-BE49-F238E27FC236}">
-                <a16:creationId xmlns:a16="http://schemas.microsoft.com/office/drawing/2014/main" id="{61626963-2366-6F6B-967A-AFCF1E9C3219}"/>
+                <a16:creationId xmlns:a16="http://schemas.microsoft.com/office/drawing/2014/main" id="{0371E4E1-E18F-7C50-0936-89881433E7A3}"/>
               </a:ext>
             </a:extLst>
           </p:cNvPr>
@@ -306,7 +306,7 @@
           <a:bodyPr/>
           <a:lstStyle/>
           <a:p>
-            <a:fld id="{38D40683-7A47-43B4-893E-B0F72F902F2A}" type="slidenum">
+            <a:fld id="{8A921CAF-3D42-431A-B1DB-3B04314C053C}" type="slidenum">
               <a:rPr lang="zh-CN" altLang="en-US" smtClean="0"/>
               <a:t>‹#›</a:t>
             </a:fld>
@@ -317,7 +317,7 @@
     </p:spTree>
     <p:extLst>
       <p:ext uri="{BB962C8B-B14F-4D97-AF65-F5344CB8AC3E}">
-        <p14:creationId xmlns:p14="http://schemas.microsoft.com/office/powerpoint/2010/main" val="2565144645"/>
+        <p14:creationId xmlns:p14="http://schemas.microsoft.com/office/powerpoint/2010/main" val="1093659795"/>
       </p:ext>
     </p:extLst>
   </p:cSld>
@@ -349,7 +349,7 @@
           <p:cNvPr id="2" name="标题 1">
             <a:extLst>
               <a:ext uri="{FF2B5EF4-FFF2-40B4-BE49-F238E27FC236}">
-                <a16:creationId xmlns:a16="http://schemas.microsoft.com/office/drawing/2014/main" id="{3AD1FDC8-084A-9CF9-5487-0700688341FA}"/>
+                <a16:creationId xmlns:a16="http://schemas.microsoft.com/office/drawing/2014/main" id="{A6D6D4C0-72A1-F9ED-C612-87FD0D961CB6}"/>
               </a:ext>
             </a:extLst>
           </p:cNvPr>
@@ -377,7 +377,7 @@
           <p:cNvPr id="3" name="竖排文字占位符 2">
             <a:extLst>
               <a:ext uri="{FF2B5EF4-FFF2-40B4-BE49-F238E27FC236}">
-                <a16:creationId xmlns:a16="http://schemas.microsoft.com/office/drawing/2014/main" id="{62D98172-9167-2DEA-30A0-79D33FF41008}"/>
+                <a16:creationId xmlns:a16="http://schemas.microsoft.com/office/drawing/2014/main" id="{B04C7B07-5860-51D2-A6E5-381F3CEA5ACE}"/>
               </a:ext>
             </a:extLst>
           </p:cNvPr>
@@ -434,7 +434,7 @@
           <p:cNvPr id="4" name="日期占位符 3">
             <a:extLst>
               <a:ext uri="{FF2B5EF4-FFF2-40B4-BE49-F238E27FC236}">
-                <a16:creationId xmlns:a16="http://schemas.microsoft.com/office/drawing/2014/main" id="{7E29628F-4105-83B4-BAA9-21EAE9210569}"/>
+                <a16:creationId xmlns:a16="http://schemas.microsoft.com/office/drawing/2014/main" id="{5FBB68E4-3BB4-43FF-8EB9-6A34CAC782BF}"/>
               </a:ext>
             </a:extLst>
           </p:cNvPr>
@@ -450,7 +450,7 @@
           <a:bodyPr/>
           <a:lstStyle/>
           <a:p>
-            <a:fld id="{4E407B83-3F6B-49D6-9646-C94CB0F5006D}" type="datetimeFigureOut">
+            <a:fld id="{D4513F00-2EA6-4877-8D6F-7D733DF0D7D3}" type="datetimeFigureOut">
               <a:rPr lang="zh-CN" altLang="en-US" smtClean="0"/>
               <a:t>2024/3/10</a:t>
             </a:fld>
@@ -463,7 +463,7 @@
           <p:cNvPr id="5" name="页脚占位符 4">
             <a:extLst>
               <a:ext uri="{FF2B5EF4-FFF2-40B4-BE49-F238E27FC236}">
-                <a16:creationId xmlns:a16="http://schemas.microsoft.com/office/drawing/2014/main" id="{78F33F3B-FB46-141E-0D60-6A963879E316}"/>
+                <a16:creationId xmlns:a16="http://schemas.microsoft.com/office/drawing/2014/main" id="{70F764A6-242F-006E-0AF2-9BAE67721B44}"/>
               </a:ext>
             </a:extLst>
           </p:cNvPr>
@@ -488,7 +488,7 @@
           <p:cNvPr id="6" name="灯片编号占位符 5">
             <a:extLst>
               <a:ext uri="{FF2B5EF4-FFF2-40B4-BE49-F238E27FC236}">
-                <a16:creationId xmlns:a16="http://schemas.microsoft.com/office/drawing/2014/main" id="{AEA0AA79-0BE6-BB19-D203-5DDAD358CBC8}"/>
+                <a16:creationId xmlns:a16="http://schemas.microsoft.com/office/drawing/2014/main" id="{C707B442-9CCD-D7D0-EB6C-BB8B638FF169}"/>
               </a:ext>
             </a:extLst>
           </p:cNvPr>
@@ -504,7 +504,7 @@
           <a:bodyPr/>
           <a:lstStyle/>
           <a:p>
-            <a:fld id="{38D40683-7A47-43B4-893E-B0F72F902F2A}" type="slidenum">
+            <a:fld id="{8A921CAF-3D42-431A-B1DB-3B04314C053C}" type="slidenum">
               <a:rPr lang="zh-CN" altLang="en-US" smtClean="0"/>
               <a:t>‹#›</a:t>
             </a:fld>
@@ -515,7 +515,7 @@
     </p:spTree>
     <p:extLst>
       <p:ext uri="{BB962C8B-B14F-4D97-AF65-F5344CB8AC3E}">
-        <p14:creationId xmlns:p14="http://schemas.microsoft.com/office/powerpoint/2010/main" val="2084961969"/>
+        <p14:creationId xmlns:p14="http://schemas.microsoft.com/office/powerpoint/2010/main" val="1395497020"/>
       </p:ext>
     </p:extLst>
   </p:cSld>
@@ -547,7 +547,7 @@
           <p:cNvPr id="2" name="竖排标题 1">
             <a:extLst>
               <a:ext uri="{FF2B5EF4-FFF2-40B4-BE49-F238E27FC236}">
-                <a16:creationId xmlns:a16="http://schemas.microsoft.com/office/drawing/2014/main" id="{BE8DB64A-2E13-3E0E-106B-FB930DC72A83}"/>
+                <a16:creationId xmlns:a16="http://schemas.microsoft.com/office/drawing/2014/main" id="{D9E7817F-888D-123C-4F12-221BAFFE8680}"/>
               </a:ext>
             </a:extLst>
           </p:cNvPr>
@@ -580,7 +580,7 @@
           <p:cNvPr id="3" name="竖排文字占位符 2">
             <a:extLst>
               <a:ext uri="{FF2B5EF4-FFF2-40B4-BE49-F238E27FC236}">
-                <a16:creationId xmlns:a16="http://schemas.microsoft.com/office/drawing/2014/main" id="{F50581A1-AE38-F070-AEDC-6DEB9CD01741}"/>
+                <a16:creationId xmlns:a16="http://schemas.microsoft.com/office/drawing/2014/main" id="{8CD9DB9E-EBF0-3BBD-E8EA-5402E8C522B6}"/>
               </a:ext>
             </a:extLst>
           </p:cNvPr>
@@ -642,7 +642,7 @@
           <p:cNvPr id="4" name="日期占位符 3">
             <a:extLst>
               <a:ext uri="{FF2B5EF4-FFF2-40B4-BE49-F238E27FC236}">
-                <a16:creationId xmlns:a16="http://schemas.microsoft.com/office/drawing/2014/main" id="{75339EBF-2B76-1DE5-3A79-4DF3587AFC6E}"/>
+                <a16:creationId xmlns:a16="http://schemas.microsoft.com/office/drawing/2014/main" id="{C7406542-B55C-3FC2-DC0A-F1D190DFD956}"/>
               </a:ext>
             </a:extLst>
           </p:cNvPr>
@@ -658,7 +658,7 @@
           <a:bodyPr/>
           <a:lstStyle/>
           <a:p>
-            <a:fld id="{4E407B83-3F6B-49D6-9646-C94CB0F5006D}" type="datetimeFigureOut">
+            <a:fld id="{D4513F00-2EA6-4877-8D6F-7D733DF0D7D3}" type="datetimeFigureOut">
               <a:rPr lang="zh-CN" altLang="en-US" smtClean="0"/>
               <a:t>2024/3/10</a:t>
             </a:fld>
@@ -671,7 +671,7 @@
           <p:cNvPr id="5" name="页脚占位符 4">
             <a:extLst>
               <a:ext uri="{FF2B5EF4-FFF2-40B4-BE49-F238E27FC236}">
-                <a16:creationId xmlns:a16="http://schemas.microsoft.com/office/drawing/2014/main" id="{D56115B9-A2A1-A4A9-8F1C-8E97D58F5021}"/>
+                <a16:creationId xmlns:a16="http://schemas.microsoft.com/office/drawing/2014/main" id="{1657EFF3-5854-BE89-2933-4BC903C3C4E0}"/>
               </a:ext>
             </a:extLst>
           </p:cNvPr>
@@ -696,7 +696,7 @@
           <p:cNvPr id="6" name="灯片编号占位符 5">
             <a:extLst>
               <a:ext uri="{FF2B5EF4-FFF2-40B4-BE49-F238E27FC236}">
-                <a16:creationId xmlns:a16="http://schemas.microsoft.com/office/drawing/2014/main" id="{148A3997-CD48-D5E1-C243-4C821B69B39E}"/>
+                <a16:creationId xmlns:a16="http://schemas.microsoft.com/office/drawing/2014/main" id="{775ACAB8-3721-6606-3C60-14D8A754972F}"/>
               </a:ext>
             </a:extLst>
           </p:cNvPr>
@@ -712,7 +712,7 @@
           <a:bodyPr/>
           <a:lstStyle/>
           <a:p>
-            <a:fld id="{38D40683-7A47-43B4-893E-B0F72F902F2A}" type="slidenum">
+            <a:fld id="{8A921CAF-3D42-431A-B1DB-3B04314C053C}" type="slidenum">
               <a:rPr lang="zh-CN" altLang="en-US" smtClean="0"/>
               <a:t>‹#›</a:t>
             </a:fld>
@@ -723,7 +723,7 @@
     </p:spTree>
     <p:extLst>
       <p:ext uri="{BB962C8B-B14F-4D97-AF65-F5344CB8AC3E}">
-        <p14:creationId xmlns:p14="http://schemas.microsoft.com/office/powerpoint/2010/main" val="3976104997"/>
+        <p14:creationId xmlns:p14="http://schemas.microsoft.com/office/powerpoint/2010/main" val="2776278092"/>
       </p:ext>
     </p:extLst>
   </p:cSld>
@@ -755,7 +755,7 @@
           <p:cNvPr id="2" name="标题 1">
             <a:extLst>
               <a:ext uri="{FF2B5EF4-FFF2-40B4-BE49-F238E27FC236}">
-                <a16:creationId xmlns:a16="http://schemas.microsoft.com/office/drawing/2014/main" id="{36CFE8ED-C92E-537A-FF89-2DFC79536D6F}"/>
+                <a16:creationId xmlns:a16="http://schemas.microsoft.com/office/drawing/2014/main" id="{8FB37845-A042-8EEE-7E35-8BB6462788F4}"/>
               </a:ext>
             </a:extLst>
           </p:cNvPr>
@@ -783,7 +783,7 @@
           <p:cNvPr id="3" name="内容占位符 2">
             <a:extLst>
               <a:ext uri="{FF2B5EF4-FFF2-40B4-BE49-F238E27FC236}">
-                <a16:creationId xmlns:a16="http://schemas.microsoft.com/office/drawing/2014/main" id="{EDA9F354-7F4A-7266-D2E7-7DABF81FCEAB}"/>
+                <a16:creationId xmlns:a16="http://schemas.microsoft.com/office/drawing/2014/main" id="{E8C01580-2B73-6AD8-4C09-8D1AFC6B40A4}"/>
               </a:ext>
             </a:extLst>
           </p:cNvPr>
@@ -840,7 +840,7 @@
           <p:cNvPr id="4" name="日期占位符 3">
             <a:extLst>
               <a:ext uri="{FF2B5EF4-FFF2-40B4-BE49-F238E27FC236}">
-                <a16:creationId xmlns:a16="http://schemas.microsoft.com/office/drawing/2014/main" id="{05ECDEF4-1059-7E28-0ECB-1AEA20688C54}"/>
+                <a16:creationId xmlns:a16="http://schemas.microsoft.com/office/drawing/2014/main" id="{68BFC0D9-B6CE-BAD1-EF24-46197CD08A14}"/>
               </a:ext>
             </a:extLst>
           </p:cNvPr>
@@ -856,7 +856,7 @@
           <a:bodyPr/>
           <a:lstStyle/>
           <a:p>
-            <a:fld id="{4E407B83-3F6B-49D6-9646-C94CB0F5006D}" type="datetimeFigureOut">
+            <a:fld id="{D4513F00-2EA6-4877-8D6F-7D733DF0D7D3}" type="datetimeFigureOut">
               <a:rPr lang="zh-CN" altLang="en-US" smtClean="0"/>
               <a:t>2024/3/10</a:t>
             </a:fld>
@@ -869,7 +869,7 @@
           <p:cNvPr id="5" name="页脚占位符 4">
             <a:extLst>
               <a:ext uri="{FF2B5EF4-FFF2-40B4-BE49-F238E27FC236}">
-                <a16:creationId xmlns:a16="http://schemas.microsoft.com/office/drawing/2014/main" id="{C3AA0A33-0BCC-C620-A84E-F1FA135EA9E9}"/>
+                <a16:creationId xmlns:a16="http://schemas.microsoft.com/office/drawing/2014/main" id="{9FB2CCA8-8BB0-8785-71C4-4B80D499B2E8}"/>
               </a:ext>
             </a:extLst>
           </p:cNvPr>
@@ -894,7 +894,7 @@
           <p:cNvPr id="6" name="灯片编号占位符 5">
             <a:extLst>
               <a:ext uri="{FF2B5EF4-FFF2-40B4-BE49-F238E27FC236}">
-                <a16:creationId xmlns:a16="http://schemas.microsoft.com/office/drawing/2014/main" id="{788DAB07-05A2-82A5-2482-09FEFD9AE7E8}"/>
+                <a16:creationId xmlns:a16="http://schemas.microsoft.com/office/drawing/2014/main" id="{7A39EF27-1A9B-A3CF-F826-6E2F405F9FC5}"/>
               </a:ext>
             </a:extLst>
           </p:cNvPr>
@@ -910,7 +910,7 @@
           <a:bodyPr/>
           <a:lstStyle/>
           <a:p>
-            <a:fld id="{38D40683-7A47-43B4-893E-B0F72F902F2A}" type="slidenum">
+            <a:fld id="{8A921CAF-3D42-431A-B1DB-3B04314C053C}" type="slidenum">
               <a:rPr lang="zh-CN" altLang="en-US" smtClean="0"/>
               <a:t>‹#›</a:t>
             </a:fld>
@@ -921,7 +921,7 @@
     </p:spTree>
     <p:extLst>
       <p:ext uri="{BB962C8B-B14F-4D97-AF65-F5344CB8AC3E}">
-        <p14:creationId xmlns:p14="http://schemas.microsoft.com/office/powerpoint/2010/main" val="3168898349"/>
+        <p14:creationId xmlns:p14="http://schemas.microsoft.com/office/powerpoint/2010/main" val="1767758337"/>
       </p:ext>
     </p:extLst>
   </p:cSld>
@@ -953,7 +953,7 @@
           <p:cNvPr id="2" name="标题 1">
             <a:extLst>
               <a:ext uri="{FF2B5EF4-FFF2-40B4-BE49-F238E27FC236}">
-                <a16:creationId xmlns:a16="http://schemas.microsoft.com/office/drawing/2014/main" id="{9F68FEA5-4459-14F7-6935-A04A9F2CA32B}"/>
+                <a16:creationId xmlns:a16="http://schemas.microsoft.com/office/drawing/2014/main" id="{5A6097CA-4FD8-918F-CA67-033843266206}"/>
               </a:ext>
             </a:extLst>
           </p:cNvPr>
@@ -990,7 +990,7 @@
           <p:cNvPr id="3" name="文本占位符 2">
             <a:extLst>
               <a:ext uri="{FF2B5EF4-FFF2-40B4-BE49-F238E27FC236}">
-                <a16:creationId xmlns:a16="http://schemas.microsoft.com/office/drawing/2014/main" id="{91DF915A-7542-EA94-14A3-9AFBB6646F8E}"/>
+                <a16:creationId xmlns:a16="http://schemas.microsoft.com/office/drawing/2014/main" id="{E4EF9AEA-5CF3-4086-3F2D-21D307C5D34F}"/>
               </a:ext>
             </a:extLst>
           </p:cNvPr>
@@ -1115,7 +1115,7 @@
           <p:cNvPr id="4" name="日期占位符 3">
             <a:extLst>
               <a:ext uri="{FF2B5EF4-FFF2-40B4-BE49-F238E27FC236}">
-                <a16:creationId xmlns:a16="http://schemas.microsoft.com/office/drawing/2014/main" id="{2E58CCB5-3248-686B-12F5-19D268ADD1E0}"/>
+                <a16:creationId xmlns:a16="http://schemas.microsoft.com/office/drawing/2014/main" id="{3FF2F431-C0C7-4AA0-5F5F-6C63A93C96E5}"/>
               </a:ext>
             </a:extLst>
           </p:cNvPr>
@@ -1131,7 +1131,7 @@
           <a:bodyPr/>
           <a:lstStyle/>
           <a:p>
-            <a:fld id="{4E407B83-3F6B-49D6-9646-C94CB0F5006D}" type="datetimeFigureOut">
+            <a:fld id="{D4513F00-2EA6-4877-8D6F-7D733DF0D7D3}" type="datetimeFigureOut">
               <a:rPr lang="zh-CN" altLang="en-US" smtClean="0"/>
               <a:t>2024/3/10</a:t>
             </a:fld>
@@ -1144,7 +1144,7 @@
           <p:cNvPr id="5" name="页脚占位符 4">
             <a:extLst>
               <a:ext uri="{FF2B5EF4-FFF2-40B4-BE49-F238E27FC236}">
-                <a16:creationId xmlns:a16="http://schemas.microsoft.com/office/drawing/2014/main" id="{ABFE43DF-15C3-C11D-0668-CD23FF8796B1}"/>
+                <a16:creationId xmlns:a16="http://schemas.microsoft.com/office/drawing/2014/main" id="{9F835859-DA01-7124-8C94-90201B6DDB87}"/>
               </a:ext>
             </a:extLst>
           </p:cNvPr>
@@ -1169,7 +1169,7 @@
           <p:cNvPr id="6" name="灯片编号占位符 5">
             <a:extLst>
               <a:ext uri="{FF2B5EF4-FFF2-40B4-BE49-F238E27FC236}">
-                <a16:creationId xmlns:a16="http://schemas.microsoft.com/office/drawing/2014/main" id="{FB4A0BC1-C06E-F01B-EAFD-47A9462DA8E9}"/>
+                <a16:creationId xmlns:a16="http://schemas.microsoft.com/office/drawing/2014/main" id="{FCCB48CA-57AB-ADB1-9D28-C0ADCD6CB6D9}"/>
               </a:ext>
             </a:extLst>
           </p:cNvPr>
@@ -1185,7 +1185,7 @@
           <a:bodyPr/>
           <a:lstStyle/>
           <a:p>
-            <a:fld id="{38D40683-7A47-43B4-893E-B0F72F902F2A}" type="slidenum">
+            <a:fld id="{8A921CAF-3D42-431A-B1DB-3B04314C053C}" type="slidenum">
               <a:rPr lang="zh-CN" altLang="en-US" smtClean="0"/>
               <a:t>‹#›</a:t>
             </a:fld>
@@ -1196,7 +1196,7 @@
     </p:spTree>
     <p:extLst>
       <p:ext uri="{BB962C8B-B14F-4D97-AF65-F5344CB8AC3E}">
-        <p14:creationId xmlns:p14="http://schemas.microsoft.com/office/powerpoint/2010/main" val="2335982879"/>
+        <p14:creationId xmlns:p14="http://schemas.microsoft.com/office/powerpoint/2010/main" val="3483862656"/>
       </p:ext>
     </p:extLst>
   </p:cSld>
@@ -1228,7 +1228,7 @@
           <p:cNvPr id="2" name="标题 1">
             <a:extLst>
               <a:ext uri="{FF2B5EF4-FFF2-40B4-BE49-F238E27FC236}">
-                <a16:creationId xmlns:a16="http://schemas.microsoft.com/office/drawing/2014/main" id="{151D6BDE-59F8-6093-7EB8-F1E2FB8C581C}"/>
+                <a16:creationId xmlns:a16="http://schemas.microsoft.com/office/drawing/2014/main" id="{31FA643D-8D77-2317-FC40-11B30F59AB4F}"/>
               </a:ext>
             </a:extLst>
           </p:cNvPr>
@@ -1256,7 +1256,7 @@
           <p:cNvPr id="3" name="内容占位符 2">
             <a:extLst>
               <a:ext uri="{FF2B5EF4-FFF2-40B4-BE49-F238E27FC236}">
-                <a16:creationId xmlns:a16="http://schemas.microsoft.com/office/drawing/2014/main" id="{E023771F-4766-4A05-9B1E-6872FD6E5FD1}"/>
+                <a16:creationId xmlns:a16="http://schemas.microsoft.com/office/drawing/2014/main" id="{E06DED19-D10E-107B-CC92-6CA1083BB84B}"/>
               </a:ext>
             </a:extLst>
           </p:cNvPr>
@@ -1318,7 +1318,7 @@
           <p:cNvPr id="4" name="内容占位符 3">
             <a:extLst>
               <a:ext uri="{FF2B5EF4-FFF2-40B4-BE49-F238E27FC236}">
-                <a16:creationId xmlns:a16="http://schemas.microsoft.com/office/drawing/2014/main" id="{A2AE53C8-1B8F-E995-23E9-56A564AA0AFC}"/>
+                <a16:creationId xmlns:a16="http://schemas.microsoft.com/office/drawing/2014/main" id="{045BF142-3871-30CF-77A0-AE26A0DAB074}"/>
               </a:ext>
             </a:extLst>
           </p:cNvPr>
@@ -1380,7 +1380,7 @@
           <p:cNvPr id="5" name="日期占位符 4">
             <a:extLst>
               <a:ext uri="{FF2B5EF4-FFF2-40B4-BE49-F238E27FC236}">
-                <a16:creationId xmlns:a16="http://schemas.microsoft.com/office/drawing/2014/main" id="{53CE3DEB-0A73-AD75-5C7B-E4459F08A020}"/>
+                <a16:creationId xmlns:a16="http://schemas.microsoft.com/office/drawing/2014/main" id="{4B7D2FF4-EBBB-088D-97C9-E66835E0B8BB}"/>
               </a:ext>
             </a:extLst>
           </p:cNvPr>
@@ -1396,7 +1396,7 @@
           <a:bodyPr/>
           <a:lstStyle/>
           <a:p>
-            <a:fld id="{4E407B83-3F6B-49D6-9646-C94CB0F5006D}" type="datetimeFigureOut">
+            <a:fld id="{D4513F00-2EA6-4877-8D6F-7D733DF0D7D3}" type="datetimeFigureOut">
               <a:rPr lang="zh-CN" altLang="en-US" smtClean="0"/>
               <a:t>2024/3/10</a:t>
             </a:fld>
@@ -1409,7 +1409,7 @@
           <p:cNvPr id="6" name="页脚占位符 5">
             <a:extLst>
               <a:ext uri="{FF2B5EF4-FFF2-40B4-BE49-F238E27FC236}">
-                <a16:creationId xmlns:a16="http://schemas.microsoft.com/office/drawing/2014/main" id="{DA6ABC67-502E-E83C-740A-913B40B17EEA}"/>
+                <a16:creationId xmlns:a16="http://schemas.microsoft.com/office/drawing/2014/main" id="{84639EFF-F4AB-E308-40D1-5E5042B76ADB}"/>
               </a:ext>
             </a:extLst>
           </p:cNvPr>
@@ -1434,7 +1434,7 @@
           <p:cNvPr id="7" name="灯片编号占位符 6">
             <a:extLst>
               <a:ext uri="{FF2B5EF4-FFF2-40B4-BE49-F238E27FC236}">
-                <a16:creationId xmlns:a16="http://schemas.microsoft.com/office/drawing/2014/main" id="{DE75EE3E-16AA-F95F-386B-FE5954C3EABA}"/>
+                <a16:creationId xmlns:a16="http://schemas.microsoft.com/office/drawing/2014/main" id="{509F86B1-C9FA-3E38-07C6-5BDF1DFB0E34}"/>
               </a:ext>
             </a:extLst>
           </p:cNvPr>
@@ -1450,7 +1450,7 @@
           <a:bodyPr/>
           <a:lstStyle/>
           <a:p>
-            <a:fld id="{38D40683-7A47-43B4-893E-B0F72F902F2A}" type="slidenum">
+            <a:fld id="{8A921CAF-3D42-431A-B1DB-3B04314C053C}" type="slidenum">
               <a:rPr lang="zh-CN" altLang="en-US" smtClean="0"/>
               <a:t>‹#›</a:t>
             </a:fld>
@@ -1461,7 +1461,7 @@
     </p:spTree>
     <p:extLst>
       <p:ext uri="{BB962C8B-B14F-4D97-AF65-F5344CB8AC3E}">
-        <p14:creationId xmlns:p14="http://schemas.microsoft.com/office/powerpoint/2010/main" val="989419974"/>
+        <p14:creationId xmlns:p14="http://schemas.microsoft.com/office/powerpoint/2010/main" val="4050817556"/>
       </p:ext>
     </p:extLst>
   </p:cSld>
@@ -1493,7 +1493,7 @@
           <p:cNvPr id="2" name="标题 1">
             <a:extLst>
               <a:ext uri="{FF2B5EF4-FFF2-40B4-BE49-F238E27FC236}">
-                <a16:creationId xmlns:a16="http://schemas.microsoft.com/office/drawing/2014/main" id="{7AC86856-0FA4-A252-A907-F4A274542547}"/>
+                <a16:creationId xmlns:a16="http://schemas.microsoft.com/office/drawing/2014/main" id="{7C66C407-A95D-D883-CA26-BC3E95AC0129}"/>
               </a:ext>
             </a:extLst>
           </p:cNvPr>
@@ -1526,7 +1526,7 @@
           <p:cNvPr id="3" name="文本占位符 2">
             <a:extLst>
               <a:ext uri="{FF2B5EF4-FFF2-40B4-BE49-F238E27FC236}">
-                <a16:creationId xmlns:a16="http://schemas.microsoft.com/office/drawing/2014/main" id="{8D82DA2B-AAA8-5399-62EF-26038B614262}"/>
+                <a16:creationId xmlns:a16="http://schemas.microsoft.com/office/drawing/2014/main" id="{DD918573-502B-2113-CAC0-B10F746793C4}"/>
               </a:ext>
             </a:extLst>
           </p:cNvPr>
@@ -1597,7 +1597,7 @@
           <p:cNvPr id="4" name="内容占位符 3">
             <a:extLst>
               <a:ext uri="{FF2B5EF4-FFF2-40B4-BE49-F238E27FC236}">
-                <a16:creationId xmlns:a16="http://schemas.microsoft.com/office/drawing/2014/main" id="{E336F15B-3EBA-AE69-3A81-849011296DAF}"/>
+                <a16:creationId xmlns:a16="http://schemas.microsoft.com/office/drawing/2014/main" id="{75ADD14F-8110-FB3D-1FCD-610652B84A4D}"/>
               </a:ext>
             </a:extLst>
           </p:cNvPr>
@@ -1659,7 +1659,7 @@
           <p:cNvPr id="5" name="文本占位符 4">
             <a:extLst>
               <a:ext uri="{FF2B5EF4-FFF2-40B4-BE49-F238E27FC236}">
-                <a16:creationId xmlns:a16="http://schemas.microsoft.com/office/drawing/2014/main" id="{F5D66792-D8FE-7A8C-B15B-6D2F8FC4043D}"/>
+                <a16:creationId xmlns:a16="http://schemas.microsoft.com/office/drawing/2014/main" id="{A200E99A-A418-3DB8-0EED-8F8F10B86B9B}"/>
               </a:ext>
             </a:extLst>
           </p:cNvPr>
@@ -1730,7 +1730,7 @@
           <p:cNvPr id="6" name="内容占位符 5">
             <a:extLst>
               <a:ext uri="{FF2B5EF4-FFF2-40B4-BE49-F238E27FC236}">
-                <a16:creationId xmlns:a16="http://schemas.microsoft.com/office/drawing/2014/main" id="{3950C43F-1787-A7B6-85A9-E6BCFDE19C2D}"/>
+                <a16:creationId xmlns:a16="http://schemas.microsoft.com/office/drawing/2014/main" id="{ED220B23-6298-8EDF-4A69-3F094FB4FE11}"/>
               </a:ext>
             </a:extLst>
           </p:cNvPr>
@@ -1792,7 +1792,7 @@
           <p:cNvPr id="7" name="日期占位符 6">
             <a:extLst>
               <a:ext uri="{FF2B5EF4-FFF2-40B4-BE49-F238E27FC236}">
-                <a16:creationId xmlns:a16="http://schemas.microsoft.com/office/drawing/2014/main" id="{D3D6A525-1394-F66B-622B-458799BA1A14}"/>
+                <a16:creationId xmlns:a16="http://schemas.microsoft.com/office/drawing/2014/main" id="{A9EBC9B1-D795-0D16-C336-761A102321DF}"/>
               </a:ext>
             </a:extLst>
           </p:cNvPr>
@@ -1808,7 +1808,7 @@
           <a:bodyPr/>
           <a:lstStyle/>
           <a:p>
-            <a:fld id="{4E407B83-3F6B-49D6-9646-C94CB0F5006D}" type="datetimeFigureOut">
+            <a:fld id="{D4513F00-2EA6-4877-8D6F-7D733DF0D7D3}" type="datetimeFigureOut">
               <a:rPr lang="zh-CN" altLang="en-US" smtClean="0"/>
               <a:t>2024/3/10</a:t>
             </a:fld>
@@ -1821,7 +1821,7 @@
           <p:cNvPr id="8" name="页脚占位符 7">
             <a:extLst>
               <a:ext uri="{FF2B5EF4-FFF2-40B4-BE49-F238E27FC236}">
-                <a16:creationId xmlns:a16="http://schemas.microsoft.com/office/drawing/2014/main" id="{C990F20E-C4A2-6EE1-0085-D4E5547D5981}"/>
+                <a16:creationId xmlns:a16="http://schemas.microsoft.com/office/drawing/2014/main" id="{59B598B4-AFD0-18D5-2B2B-94CF63163A35}"/>
               </a:ext>
             </a:extLst>
           </p:cNvPr>
@@ -1846,7 +1846,7 @@
           <p:cNvPr id="9" name="灯片编号占位符 8">
             <a:extLst>
               <a:ext uri="{FF2B5EF4-FFF2-40B4-BE49-F238E27FC236}">
-                <a16:creationId xmlns:a16="http://schemas.microsoft.com/office/drawing/2014/main" id="{7ED4A7E1-3F3D-8DFA-0678-141A8F760DBB}"/>
+                <a16:creationId xmlns:a16="http://schemas.microsoft.com/office/drawing/2014/main" id="{4A241971-82DE-88C8-0082-98907FEC55F8}"/>
               </a:ext>
             </a:extLst>
           </p:cNvPr>
@@ -1862,7 +1862,7 @@
           <a:bodyPr/>
           <a:lstStyle/>
           <a:p>
-            <a:fld id="{38D40683-7A47-43B4-893E-B0F72F902F2A}" type="slidenum">
+            <a:fld id="{8A921CAF-3D42-431A-B1DB-3B04314C053C}" type="slidenum">
               <a:rPr lang="zh-CN" altLang="en-US" smtClean="0"/>
               <a:t>‹#›</a:t>
             </a:fld>
@@ -1873,7 +1873,7 @@
     </p:spTree>
     <p:extLst>
       <p:ext uri="{BB962C8B-B14F-4D97-AF65-F5344CB8AC3E}">
-        <p14:creationId xmlns:p14="http://schemas.microsoft.com/office/powerpoint/2010/main" val="1680721980"/>
+        <p14:creationId xmlns:p14="http://schemas.microsoft.com/office/powerpoint/2010/main" val="823253843"/>
       </p:ext>
     </p:extLst>
   </p:cSld>
@@ -1905,7 +1905,7 @@
           <p:cNvPr id="2" name="标题 1">
             <a:extLst>
               <a:ext uri="{FF2B5EF4-FFF2-40B4-BE49-F238E27FC236}">
-                <a16:creationId xmlns:a16="http://schemas.microsoft.com/office/drawing/2014/main" id="{D5DF12B0-8BDE-B065-19EF-C8CE3F51A61F}"/>
+                <a16:creationId xmlns:a16="http://schemas.microsoft.com/office/drawing/2014/main" id="{064775B6-C411-D770-0220-9EC57CA55064}"/>
               </a:ext>
             </a:extLst>
           </p:cNvPr>
@@ -1933,7 +1933,7 @@
           <p:cNvPr id="3" name="日期占位符 2">
             <a:extLst>
               <a:ext uri="{FF2B5EF4-FFF2-40B4-BE49-F238E27FC236}">
-                <a16:creationId xmlns:a16="http://schemas.microsoft.com/office/drawing/2014/main" id="{FE258DDF-5CED-4A9C-D5EF-E50C465207BA}"/>
+                <a16:creationId xmlns:a16="http://schemas.microsoft.com/office/drawing/2014/main" id="{F109F499-5EA2-8907-D682-991CBF6AB451}"/>
               </a:ext>
             </a:extLst>
           </p:cNvPr>
@@ -1949,7 +1949,7 @@
           <a:bodyPr/>
           <a:lstStyle/>
           <a:p>
-            <a:fld id="{4E407B83-3F6B-49D6-9646-C94CB0F5006D}" type="datetimeFigureOut">
+            <a:fld id="{D4513F00-2EA6-4877-8D6F-7D733DF0D7D3}" type="datetimeFigureOut">
               <a:rPr lang="zh-CN" altLang="en-US" smtClean="0"/>
               <a:t>2024/3/10</a:t>
             </a:fld>
@@ -1962,7 +1962,7 @@
           <p:cNvPr id="4" name="页脚占位符 3">
             <a:extLst>
               <a:ext uri="{FF2B5EF4-FFF2-40B4-BE49-F238E27FC236}">
-                <a16:creationId xmlns:a16="http://schemas.microsoft.com/office/drawing/2014/main" id="{5A4A045F-B5AC-C5E9-9955-D2DA97C5B17C}"/>
+                <a16:creationId xmlns:a16="http://schemas.microsoft.com/office/drawing/2014/main" id="{2CD5DFC0-C145-F20A-C055-25F09A5459F8}"/>
               </a:ext>
             </a:extLst>
           </p:cNvPr>
@@ -1987,7 +1987,7 @@
           <p:cNvPr id="5" name="灯片编号占位符 4">
             <a:extLst>
               <a:ext uri="{FF2B5EF4-FFF2-40B4-BE49-F238E27FC236}">
-                <a16:creationId xmlns:a16="http://schemas.microsoft.com/office/drawing/2014/main" id="{D91E09E3-50FB-47F3-5AFC-BE3754959CC6}"/>
+                <a16:creationId xmlns:a16="http://schemas.microsoft.com/office/drawing/2014/main" id="{93D35B87-3CFB-A66D-6D3E-F75074CDFE26}"/>
               </a:ext>
             </a:extLst>
           </p:cNvPr>
@@ -2003,7 +2003,7 @@
           <a:bodyPr/>
           <a:lstStyle/>
           <a:p>
-            <a:fld id="{38D40683-7A47-43B4-893E-B0F72F902F2A}" type="slidenum">
+            <a:fld id="{8A921CAF-3D42-431A-B1DB-3B04314C053C}" type="slidenum">
               <a:rPr lang="zh-CN" altLang="en-US" smtClean="0"/>
               <a:t>‹#›</a:t>
             </a:fld>
@@ -2014,7 +2014,7 @@
     </p:spTree>
     <p:extLst>
       <p:ext uri="{BB962C8B-B14F-4D97-AF65-F5344CB8AC3E}">
-        <p14:creationId xmlns:p14="http://schemas.microsoft.com/office/powerpoint/2010/main" val="691490929"/>
+        <p14:creationId xmlns:p14="http://schemas.microsoft.com/office/powerpoint/2010/main" val="3748025081"/>
       </p:ext>
     </p:extLst>
   </p:cSld>
@@ -2046,7 +2046,7 @@
           <p:cNvPr id="2" name="日期占位符 1">
             <a:extLst>
               <a:ext uri="{FF2B5EF4-FFF2-40B4-BE49-F238E27FC236}">
-                <a16:creationId xmlns:a16="http://schemas.microsoft.com/office/drawing/2014/main" id="{7043E1FE-FD18-F812-AC9C-58990CF69FBC}"/>
+                <a16:creationId xmlns:a16="http://schemas.microsoft.com/office/drawing/2014/main" id="{3BF49F3D-CC78-4AC4-256F-2E0696384946}"/>
               </a:ext>
             </a:extLst>
           </p:cNvPr>
@@ -2062,7 +2062,7 @@
           <a:bodyPr/>
           <a:lstStyle/>
           <a:p>
-            <a:fld id="{4E407B83-3F6B-49D6-9646-C94CB0F5006D}" type="datetimeFigureOut">
+            <a:fld id="{D4513F00-2EA6-4877-8D6F-7D733DF0D7D3}" type="datetimeFigureOut">
               <a:rPr lang="zh-CN" altLang="en-US" smtClean="0"/>
               <a:t>2024/3/10</a:t>
             </a:fld>
@@ -2075,7 +2075,7 @@
           <p:cNvPr id="3" name="页脚占位符 2">
             <a:extLst>
               <a:ext uri="{FF2B5EF4-FFF2-40B4-BE49-F238E27FC236}">
-                <a16:creationId xmlns:a16="http://schemas.microsoft.com/office/drawing/2014/main" id="{04B7DAF3-4983-EFC2-ED20-C94432BACE20}"/>
+                <a16:creationId xmlns:a16="http://schemas.microsoft.com/office/drawing/2014/main" id="{F516B6B0-99F0-9B7A-66DB-4AC359CD48B6}"/>
               </a:ext>
             </a:extLst>
           </p:cNvPr>
@@ -2100,7 +2100,7 @@
           <p:cNvPr id="4" name="灯片编号占位符 3">
             <a:extLst>
               <a:ext uri="{FF2B5EF4-FFF2-40B4-BE49-F238E27FC236}">
-                <a16:creationId xmlns:a16="http://schemas.microsoft.com/office/drawing/2014/main" id="{CEDCE9A8-0C13-650B-F412-22637F78F423}"/>
+                <a16:creationId xmlns:a16="http://schemas.microsoft.com/office/drawing/2014/main" id="{D45DCD70-A9EE-D237-970E-C8D286FBCC11}"/>
               </a:ext>
             </a:extLst>
           </p:cNvPr>
@@ -2116,7 +2116,7 @@
           <a:bodyPr/>
           <a:lstStyle/>
           <a:p>
-            <a:fld id="{38D40683-7A47-43B4-893E-B0F72F902F2A}" type="slidenum">
+            <a:fld id="{8A921CAF-3D42-431A-B1DB-3B04314C053C}" type="slidenum">
               <a:rPr lang="zh-CN" altLang="en-US" smtClean="0"/>
               <a:t>‹#›</a:t>
             </a:fld>
@@ -2127,7 +2127,7 @@
     </p:spTree>
     <p:extLst>
       <p:ext uri="{BB962C8B-B14F-4D97-AF65-F5344CB8AC3E}">
-        <p14:creationId xmlns:p14="http://schemas.microsoft.com/office/powerpoint/2010/main" val="3416587591"/>
+        <p14:creationId xmlns:p14="http://schemas.microsoft.com/office/powerpoint/2010/main" val="4292412327"/>
       </p:ext>
     </p:extLst>
   </p:cSld>
@@ -2159,7 +2159,7 @@
           <p:cNvPr id="2" name="标题 1">
             <a:extLst>
               <a:ext uri="{FF2B5EF4-FFF2-40B4-BE49-F238E27FC236}">
-                <a16:creationId xmlns:a16="http://schemas.microsoft.com/office/drawing/2014/main" id="{6838FBA8-0D3F-B50C-525E-75F92ACDB970}"/>
+                <a16:creationId xmlns:a16="http://schemas.microsoft.com/office/drawing/2014/main" id="{651A4302-0B5A-086B-D3F8-6D1335D0B429}"/>
               </a:ext>
             </a:extLst>
           </p:cNvPr>
@@ -2196,7 +2196,7 @@
           <p:cNvPr id="3" name="内容占位符 2">
             <a:extLst>
               <a:ext uri="{FF2B5EF4-FFF2-40B4-BE49-F238E27FC236}">
-                <a16:creationId xmlns:a16="http://schemas.microsoft.com/office/drawing/2014/main" id="{09B38FD6-6419-2449-F568-A1195D8F9B97}"/>
+                <a16:creationId xmlns:a16="http://schemas.microsoft.com/office/drawing/2014/main" id="{8789EB97-55F0-157F-192E-0A763671612F}"/>
               </a:ext>
             </a:extLst>
           </p:cNvPr>
@@ -2286,7 +2286,7 @@
           <p:cNvPr id="4" name="文本占位符 3">
             <a:extLst>
               <a:ext uri="{FF2B5EF4-FFF2-40B4-BE49-F238E27FC236}">
-                <a16:creationId xmlns:a16="http://schemas.microsoft.com/office/drawing/2014/main" id="{F09B0F63-5827-81AD-485F-90F929D68BA1}"/>
+                <a16:creationId xmlns:a16="http://schemas.microsoft.com/office/drawing/2014/main" id="{0D278089-F868-B380-36C8-FDCE675DC65C}"/>
               </a:ext>
             </a:extLst>
           </p:cNvPr>
@@ -2357,7 +2357,7 @@
           <p:cNvPr id="5" name="日期占位符 4">
             <a:extLst>
               <a:ext uri="{FF2B5EF4-FFF2-40B4-BE49-F238E27FC236}">
-                <a16:creationId xmlns:a16="http://schemas.microsoft.com/office/drawing/2014/main" id="{D8754163-4E1A-8FD6-F4B6-99C85806D9E4}"/>
+                <a16:creationId xmlns:a16="http://schemas.microsoft.com/office/drawing/2014/main" id="{9E32D261-56A0-C7C5-2E4F-03232FF6E02B}"/>
               </a:ext>
             </a:extLst>
           </p:cNvPr>
@@ -2373,7 +2373,7 @@
           <a:bodyPr/>
           <a:lstStyle/>
           <a:p>
-            <a:fld id="{4E407B83-3F6B-49D6-9646-C94CB0F5006D}" type="datetimeFigureOut">
+            <a:fld id="{D4513F00-2EA6-4877-8D6F-7D733DF0D7D3}" type="datetimeFigureOut">
               <a:rPr lang="zh-CN" altLang="en-US" smtClean="0"/>
               <a:t>2024/3/10</a:t>
             </a:fld>
@@ -2386,7 +2386,7 @@
           <p:cNvPr id="6" name="页脚占位符 5">
             <a:extLst>
               <a:ext uri="{FF2B5EF4-FFF2-40B4-BE49-F238E27FC236}">
-                <a16:creationId xmlns:a16="http://schemas.microsoft.com/office/drawing/2014/main" id="{B489B397-01C9-80FF-A970-64964E8C333B}"/>
+                <a16:creationId xmlns:a16="http://schemas.microsoft.com/office/drawing/2014/main" id="{448084F0-1655-D503-14E5-14291F4990E7}"/>
               </a:ext>
             </a:extLst>
           </p:cNvPr>
@@ -2411,7 +2411,7 @@
           <p:cNvPr id="7" name="灯片编号占位符 6">
             <a:extLst>
               <a:ext uri="{FF2B5EF4-FFF2-40B4-BE49-F238E27FC236}">
-                <a16:creationId xmlns:a16="http://schemas.microsoft.com/office/drawing/2014/main" id="{8254FDAA-69A6-1149-2142-DE296A7A7F15}"/>
+                <a16:creationId xmlns:a16="http://schemas.microsoft.com/office/drawing/2014/main" id="{D654CB55-B38A-442E-25EC-CB7D8FFC5329}"/>
               </a:ext>
             </a:extLst>
           </p:cNvPr>
@@ -2427,7 +2427,7 @@
           <a:bodyPr/>
           <a:lstStyle/>
           <a:p>
-            <a:fld id="{38D40683-7A47-43B4-893E-B0F72F902F2A}" type="slidenum">
+            <a:fld id="{8A921CAF-3D42-431A-B1DB-3B04314C053C}" type="slidenum">
               <a:rPr lang="zh-CN" altLang="en-US" smtClean="0"/>
               <a:t>‹#›</a:t>
             </a:fld>
@@ -2438,7 +2438,7 @@
     </p:spTree>
     <p:extLst>
       <p:ext uri="{BB962C8B-B14F-4D97-AF65-F5344CB8AC3E}">
-        <p14:creationId xmlns:p14="http://schemas.microsoft.com/office/powerpoint/2010/main" val="2465608932"/>
+        <p14:creationId xmlns:p14="http://schemas.microsoft.com/office/powerpoint/2010/main" val="2139568953"/>
       </p:ext>
     </p:extLst>
   </p:cSld>
@@ -2470,7 +2470,7 @@
           <p:cNvPr id="2" name="标题 1">
             <a:extLst>
               <a:ext uri="{FF2B5EF4-FFF2-40B4-BE49-F238E27FC236}">
-                <a16:creationId xmlns:a16="http://schemas.microsoft.com/office/drawing/2014/main" id="{4D72C1CB-0E5B-D03D-E5A8-DCBC1406DBFE}"/>
+                <a16:creationId xmlns:a16="http://schemas.microsoft.com/office/drawing/2014/main" id="{F20CC148-6E75-51F3-E251-47B684BAA0C7}"/>
               </a:ext>
             </a:extLst>
           </p:cNvPr>
@@ -2507,7 +2507,7 @@
           <p:cNvPr id="3" name="图片占位符 2">
             <a:extLst>
               <a:ext uri="{FF2B5EF4-FFF2-40B4-BE49-F238E27FC236}">
-                <a16:creationId xmlns:a16="http://schemas.microsoft.com/office/drawing/2014/main" id="{8F306F34-2D5E-E688-340E-3C2F58CE38CC}"/>
+                <a16:creationId xmlns:a16="http://schemas.microsoft.com/office/drawing/2014/main" id="{C5333F39-129F-7E88-C46B-B95120507132}"/>
               </a:ext>
             </a:extLst>
           </p:cNvPr>
@@ -2574,7 +2574,7 @@
           <p:cNvPr id="4" name="文本占位符 3">
             <a:extLst>
               <a:ext uri="{FF2B5EF4-FFF2-40B4-BE49-F238E27FC236}">
-                <a16:creationId xmlns:a16="http://schemas.microsoft.com/office/drawing/2014/main" id="{6E950D97-6C07-FC20-370B-50829084F6AD}"/>
+                <a16:creationId xmlns:a16="http://schemas.microsoft.com/office/drawing/2014/main" id="{D55EC6E5-5D1C-73C2-71DC-00F413CEDD63}"/>
               </a:ext>
             </a:extLst>
           </p:cNvPr>
@@ -2645,7 +2645,7 @@
           <p:cNvPr id="5" name="日期占位符 4">
             <a:extLst>
               <a:ext uri="{FF2B5EF4-FFF2-40B4-BE49-F238E27FC236}">
-                <a16:creationId xmlns:a16="http://schemas.microsoft.com/office/drawing/2014/main" id="{739CED57-BCC6-A7D4-8D55-699055E33FDE}"/>
+                <a16:creationId xmlns:a16="http://schemas.microsoft.com/office/drawing/2014/main" id="{A85F5E6B-004C-F118-AF9F-86986D7FF261}"/>
               </a:ext>
             </a:extLst>
           </p:cNvPr>
@@ -2661,7 +2661,7 @@
           <a:bodyPr/>
           <a:lstStyle/>
           <a:p>
-            <a:fld id="{4E407B83-3F6B-49D6-9646-C94CB0F5006D}" type="datetimeFigureOut">
+            <a:fld id="{D4513F00-2EA6-4877-8D6F-7D733DF0D7D3}" type="datetimeFigureOut">
               <a:rPr lang="zh-CN" altLang="en-US" smtClean="0"/>
               <a:t>2024/3/10</a:t>
             </a:fld>
@@ -2674,7 +2674,7 @@
           <p:cNvPr id="6" name="页脚占位符 5">
             <a:extLst>
               <a:ext uri="{FF2B5EF4-FFF2-40B4-BE49-F238E27FC236}">
-                <a16:creationId xmlns:a16="http://schemas.microsoft.com/office/drawing/2014/main" id="{6ECA9188-003C-3977-DB93-53DCF15B6611}"/>
+                <a16:creationId xmlns:a16="http://schemas.microsoft.com/office/drawing/2014/main" id="{3537D0FE-E58D-1D28-9749-A8A2267C9C2E}"/>
               </a:ext>
             </a:extLst>
           </p:cNvPr>
@@ -2699,7 +2699,7 @@
           <p:cNvPr id="7" name="灯片编号占位符 6">
             <a:extLst>
               <a:ext uri="{FF2B5EF4-FFF2-40B4-BE49-F238E27FC236}">
-                <a16:creationId xmlns:a16="http://schemas.microsoft.com/office/drawing/2014/main" id="{18B0E6A0-C39F-B7B6-204D-341362A44657}"/>
+                <a16:creationId xmlns:a16="http://schemas.microsoft.com/office/drawing/2014/main" id="{DD1F46F8-58B4-50A4-DE4C-C4180C6E34A1}"/>
               </a:ext>
             </a:extLst>
           </p:cNvPr>
@@ -2715,7 +2715,7 @@
           <a:bodyPr/>
           <a:lstStyle/>
           <a:p>
-            <a:fld id="{38D40683-7A47-43B4-893E-B0F72F902F2A}" type="slidenum">
+            <a:fld id="{8A921CAF-3D42-431A-B1DB-3B04314C053C}" type="slidenum">
               <a:rPr lang="zh-CN" altLang="en-US" smtClean="0"/>
               <a:t>‹#›</a:t>
             </a:fld>
@@ -2726,7 +2726,7 @@
     </p:spTree>
     <p:extLst>
       <p:ext uri="{BB962C8B-B14F-4D97-AF65-F5344CB8AC3E}">
-        <p14:creationId xmlns:p14="http://schemas.microsoft.com/office/powerpoint/2010/main" val="647525902"/>
+        <p14:creationId xmlns:p14="http://schemas.microsoft.com/office/powerpoint/2010/main" val="2699252580"/>
       </p:ext>
     </p:extLst>
   </p:cSld>
@@ -2763,7 +2763,7 @@
           <p:cNvPr id="2" name="标题占位符 1">
             <a:extLst>
               <a:ext uri="{FF2B5EF4-FFF2-40B4-BE49-F238E27FC236}">
-                <a16:creationId xmlns:a16="http://schemas.microsoft.com/office/drawing/2014/main" id="{879CBDEE-D438-DC7A-FB2A-C7CFB1A7C1F8}"/>
+                <a16:creationId xmlns:a16="http://schemas.microsoft.com/office/drawing/2014/main" id="{1768AA99-F355-C8C7-4C7E-CC2AB6ABCE69}"/>
               </a:ext>
             </a:extLst>
           </p:cNvPr>
@@ -2801,7 +2801,7 @@
           <p:cNvPr id="3" name="文本占位符 2">
             <a:extLst>
               <a:ext uri="{FF2B5EF4-FFF2-40B4-BE49-F238E27FC236}">
-                <a16:creationId xmlns:a16="http://schemas.microsoft.com/office/drawing/2014/main" id="{8172F3C1-59CB-FCB3-5D8B-9C16CFBEA027}"/>
+                <a16:creationId xmlns:a16="http://schemas.microsoft.com/office/drawing/2014/main" id="{D9074FED-E240-B9A8-A7EE-46FA4D09BEAC}"/>
               </a:ext>
             </a:extLst>
           </p:cNvPr>
@@ -2868,7 +2868,7 @@
           <p:cNvPr id="4" name="日期占位符 3">
             <a:extLst>
               <a:ext uri="{FF2B5EF4-FFF2-40B4-BE49-F238E27FC236}">
-                <a16:creationId xmlns:a16="http://schemas.microsoft.com/office/drawing/2014/main" id="{77D8F850-FC56-FC7C-4C8D-9402A187F8D6}"/>
+                <a16:creationId xmlns:a16="http://schemas.microsoft.com/office/drawing/2014/main" id="{4BAA8441-AE6A-F4BE-6B8F-5A6C4DECDD07}"/>
               </a:ext>
             </a:extLst>
           </p:cNvPr>
@@ -2902,7 +2902,7 @@
             </a:lvl1pPr>
           </a:lstStyle>
           <a:p>
-            <a:fld id="{4E407B83-3F6B-49D6-9646-C94CB0F5006D}" type="datetimeFigureOut">
+            <a:fld id="{D4513F00-2EA6-4877-8D6F-7D733DF0D7D3}" type="datetimeFigureOut">
               <a:rPr lang="zh-CN" altLang="en-US" smtClean="0"/>
               <a:t>2024/3/10</a:t>
             </a:fld>
@@ -2915,7 +2915,7 @@
           <p:cNvPr id="5" name="页脚占位符 4">
             <a:extLst>
               <a:ext uri="{FF2B5EF4-FFF2-40B4-BE49-F238E27FC236}">
-                <a16:creationId xmlns:a16="http://schemas.microsoft.com/office/drawing/2014/main" id="{77BD2952-172D-3AFE-1329-216609FCD6B1}"/>
+                <a16:creationId xmlns:a16="http://schemas.microsoft.com/office/drawing/2014/main" id="{91195300-D263-DE69-1230-C57E387F2CA6}"/>
               </a:ext>
             </a:extLst>
           </p:cNvPr>
@@ -2958,7 +2958,7 @@
           <p:cNvPr id="6" name="灯片编号占位符 5">
             <a:extLst>
               <a:ext uri="{FF2B5EF4-FFF2-40B4-BE49-F238E27FC236}">
-                <a16:creationId xmlns:a16="http://schemas.microsoft.com/office/drawing/2014/main" id="{3EAB2A89-F71C-1B4A-CB5A-43409003DB16}"/>
+                <a16:creationId xmlns:a16="http://schemas.microsoft.com/office/drawing/2014/main" id="{840DA65E-D47C-9186-A44C-1A97F4B9B0BD}"/>
               </a:ext>
             </a:extLst>
           </p:cNvPr>
@@ -2992,7 +2992,7 @@
             </a:lvl1pPr>
           </a:lstStyle>
           <a:p>
-            <a:fld id="{38D40683-7A47-43B4-893E-B0F72F902F2A}" type="slidenum">
+            <a:fld id="{8A921CAF-3D42-431A-B1DB-3B04314C053C}" type="slidenum">
               <a:rPr lang="zh-CN" altLang="en-US" smtClean="0"/>
               <a:t>‹#›</a:t>
             </a:fld>
@@ -3003,7 +3003,7 @@
     </p:spTree>
     <p:extLst>
       <p:ext uri="{BB962C8B-B14F-4D97-AF65-F5344CB8AC3E}">
-        <p14:creationId xmlns:p14="http://schemas.microsoft.com/office/powerpoint/2010/main" val="432141128"/>
+        <p14:creationId xmlns:p14="http://schemas.microsoft.com/office/powerpoint/2010/main" val="3742985022"/>
       </p:ext>
     </p:extLst>
   </p:cSld>
@@ -3323,7 +3323,7 @@
       </p:grpSpPr>
       <p:pic>
         <p:nvPicPr>
-          <p:cNvPr id="301058" name="Picture 2" descr="293"/>
+          <p:cNvPr id="302082" name="Picture 2" descr="294"/>
           <p:cNvPicPr>
             <a:picLocks noChangeAspect="1" noChangeArrowheads="1"/>
           </p:cNvPicPr>
@@ -3345,7 +3345,7 @@
         <p:spPr bwMode="auto">
           <a:xfrm>
             <a:off x="1524000" y="0"/>
-            <a:ext cx="9144000" cy="6381750"/>
+            <a:ext cx="9144000" cy="6858000"/>
           </a:xfrm>
           <a:prstGeom prst="rect">
             <a:avLst/>
@@ -3375,158 +3375,11 @@
           </a:extLst>
         </p:spPr>
       </p:pic>
-      <p:pic>
-        <p:nvPicPr>
-          <p:cNvPr id="302083" name="Picture 3" descr="293-2"/>
-          <p:cNvPicPr>
-            <a:picLocks noChangeAspect="1" noChangeArrowheads="1"/>
-          </p:cNvPicPr>
-          <p:nvPr/>
-        </p:nvPicPr>
-        <p:blipFill>
-          <a:blip r:embed="rId3">
-            <a:extLst>
-              <a:ext uri="{28A0092B-C50C-407E-A947-70E740481C1C}">
-                <a14:useLocalDpi xmlns:a14="http://schemas.microsoft.com/office/drawing/2010/main" val="0"/>
-              </a:ext>
-            </a:extLst>
-          </a:blip>
-          <a:srcRect/>
-          <a:stretch>
-            <a:fillRect/>
-          </a:stretch>
-        </p:blipFill>
-        <p:spPr bwMode="auto">
-          <a:xfrm>
-            <a:off x="1524000" y="0"/>
-            <a:ext cx="9144000" cy="6858000"/>
-          </a:xfrm>
-          <a:prstGeom prst="rect">
-            <a:avLst/>
-          </a:prstGeom>
-          <a:noFill/>
-          <a:ln>
-            <a:noFill/>
-          </a:ln>
-          <a:effectLst/>
-          <a:extLst>
-            <a:ext uri="{909E8E84-426E-40DD-AFC4-6F175D3DCCD1}">
-              <a14:hiddenFill xmlns:a14="http://schemas.microsoft.com/office/drawing/2010/main">
-                <a:solidFill>
-                  <a:srgbClr val="FFFFFF"/>
-                </a:solidFill>
-              </a14:hiddenFill>
-            </a:ext>
-            <a:ext uri="{91240B29-F687-4F45-9708-019B960494DF}">
-              <a14:hiddenLine xmlns:a14="http://schemas.microsoft.com/office/drawing/2010/main" w="9525">
-                <a:solidFill>
-                  <a:srgbClr val="000000"/>
-                </a:solidFill>
-                <a:miter lim="800000"/>
-                <a:headEnd/>
-                <a:tailEnd/>
-              </a14:hiddenLine>
-            </a:ext>
-            <a:ext uri="{AF507438-7753-43E0-B8FC-AC1667EBCBE1}">
-              <a14:hiddenEffects xmlns:a14="http://schemas.microsoft.com/office/drawing/2010/main">
-                <a:effectLst>
-                  <a:outerShdw dist="35921" dir="2700000" algn="ctr" rotWithShape="0">
-                    <a:srgbClr val="808080"/>
-                  </a:outerShdw>
-                </a:effectLst>
-              </a14:hiddenEffects>
-            </a:ext>
-          </a:extLst>
-        </p:spPr>
-      </p:pic>
     </p:spTree>
   </p:cSld>
   <p:clrMapOvr>
     <a:masterClrMapping/>
   </p:clrMapOvr>
-  <p:timing>
-    <p:tnLst>
-      <p:par>
-        <p:cTn id="1" dur="indefinite" restart="never" nodeType="tmRoot">
-          <p:childTnLst>
-            <p:seq concurrent="1" nextAc="seek">
-              <p:cTn id="2" dur="indefinite" nodeType="mainSeq">
-                <p:childTnLst>
-                  <p:par>
-                    <p:cTn id="3" fill="hold" nodeType="clickPar">
-                      <p:stCondLst>
-                        <p:cond delay="indefinite"/>
-                      </p:stCondLst>
-                      <p:childTnLst>
-                        <p:par>
-                          <p:cTn id="4" fill="hold" nodeType="withGroup">
-                            <p:stCondLst>
-                              <p:cond delay="0"/>
-                            </p:stCondLst>
-                            <p:childTnLst>
-                              <p:par>
-                                <p:cTn id="5" presetID="10" presetClass="entr" presetSubtype="0" fill="hold" nodeType="clickEffect">
-                                  <p:stCondLst>
-                                    <p:cond delay="0"/>
-                                  </p:stCondLst>
-                                  <p:childTnLst>
-                                    <p:set>
-                                      <p:cBhvr>
-                                        <p:cTn id="6" dur="1" fill="hold">
-                                          <p:stCondLst>
-                                            <p:cond delay="0"/>
-                                          </p:stCondLst>
-                                        </p:cTn>
-                                        <p:tgtEl>
-                                          <p:spTgt spid="302083"/>
-                                        </p:tgtEl>
-                                        <p:attrNameLst>
-                                          <p:attrName>style.visibility</p:attrName>
-                                        </p:attrNameLst>
-                                      </p:cBhvr>
-                                      <p:to>
-                                        <p:strVal val="visible"/>
-                                      </p:to>
-                                    </p:set>
-                                    <p:animEffect transition="in" filter="fade">
-                                      <p:cBhvr>
-                                        <p:cTn id="7" dur="500"/>
-                                        <p:tgtEl>
-                                          <p:spTgt spid="302083"/>
-                                        </p:tgtEl>
-                                      </p:cBhvr>
-                                    </p:animEffect>
-                                  </p:childTnLst>
-                                </p:cTn>
-                              </p:par>
-                            </p:childTnLst>
-                          </p:cTn>
-                        </p:par>
-                      </p:childTnLst>
-                    </p:cTn>
-                  </p:par>
-                </p:childTnLst>
-              </p:cTn>
-              <p:prevCondLst>
-                <p:cond evt="onPrev" delay="0">
-                  <p:tgtEl>
-                    <p:sldTgt/>
-                  </p:tgtEl>
-                </p:cond>
-              </p:prevCondLst>
-              <p:nextCondLst>
-                <p:cond evt="onNext" delay="0">
-                  <p:tgtEl>
-                    <p:sldTgt/>
-                  </p:tgtEl>
-                </p:cond>
-              </p:nextCondLst>
-            </p:seq>
-          </p:childTnLst>
-        </p:cTn>
-      </p:par>
-    </p:tnLst>
-  </p:timing>
 </p:sld>
 </file>
 
